--- a/summative presentation/Summative Oral Presentation-Group 4-5.pptx
+++ b/summative presentation/Summative Oral Presentation-Group 4-5.pptx
@@ -17,8 +17,10 @@
     <p:sldId id="269" r:id="rId11"/>
     <p:sldId id="264" r:id="rId12"/>
     <p:sldId id="273" r:id="rId13"/>
-    <p:sldId id="272" r:id="rId14"/>
-    <p:sldId id="274" r:id="rId15"/>
+    <p:sldId id="275" r:id="rId14"/>
+    <p:sldId id="276" r:id="rId15"/>
+    <p:sldId id="272" r:id="rId16"/>
+    <p:sldId id="274" r:id="rId17"/>
   </p:sldIdLst>
   <p:sldSz cx="12192000" cy="6858000"/>
   <p:notesSz cx="6858000" cy="9144000"/>
@@ -5995,8 +5997,8 @@
         </p:nvSpPr>
         <p:spPr>
           <a:xfrm>
-            <a:off x="159488" y="95694"/>
-            <a:ext cx="11578856" cy="6555641"/>
+            <a:off x="159488" y="2041451"/>
+            <a:ext cx="11653284" cy="5016758"/>
           </a:xfrm>
           <a:prstGeom prst="rect">
             <a:avLst/>
@@ -6010,7 +6012,7 @@
           <a:lstStyle/>
           <a:p>
             <a:r>
-              <a:rPr lang="en-US" sz="1400" b="1" dirty="0">
+              <a:rPr lang="en-US" b="1" dirty="0">
                 <a:latin typeface="Times New Roman" panose="02020603050405020304" pitchFamily="18" charset="0"/>
                 <a:cs typeface="Times New Roman" panose="02020603050405020304" pitchFamily="18" charset="0"/>
               </a:rPr>
@@ -6018,8 +6020,32 @@
             </a:r>
           </a:p>
           <a:p>
-            <a:r>
-              <a:rPr lang="en-US" sz="1400" dirty="0">
+            <a:endParaRPr lang="en-US" b="1" dirty="0">
+              <a:latin typeface="Times New Roman" panose="02020603050405020304" pitchFamily="18" charset="0"/>
+              <a:cs typeface="Times New Roman" panose="02020603050405020304" pitchFamily="18" charset="0"/>
+            </a:endParaRPr>
+          </a:p>
+          <a:p>
+            <a:r>
+              <a:rPr lang="en-US" dirty="0">
+                <a:latin typeface="Times New Roman" panose="02020603050405020304" pitchFamily="18" charset="0"/>
+                <a:cs typeface="Times New Roman" panose="02020603050405020304" pitchFamily="18" charset="0"/>
+              </a:rPr>
+              <a:t>-Logistic regression was chosen as the baseline model for predicting TCR specificity due to the robustness of the logistic regression model and the simplicity of the binary classification task driving the choice. </a:t>
+            </a:r>
+          </a:p>
+          <a:p>
+            <a:r>
+              <a:rPr lang="en-US" dirty="0">
+                <a:latin typeface="Times New Roman" panose="02020603050405020304" pitchFamily="18" charset="0"/>
+                <a:cs typeface="Times New Roman" panose="02020603050405020304" pitchFamily="18" charset="0"/>
+              </a:rPr>
+              <a:t>-Verifying the model's performance on unseen data was done by dividing the data set into a training set and a test set. The primary evaluation metric chosen is the F1 score because the accuracy of the model can be misleading due to the unbalanced nature of the dataset. This is particularly important given the variability in epitope representation within the dataset. </a:t>
+            </a:r>
+          </a:p>
+          <a:p>
+            <a:r>
+              <a:rPr lang="en-US" dirty="0">
                 <a:latin typeface="Times New Roman" panose="02020603050405020304" pitchFamily="18" charset="0"/>
                 <a:cs typeface="Times New Roman" panose="02020603050405020304" pitchFamily="18" charset="0"/>
               </a:rPr>
@@ -6028,7 +6054,7 @@
           </a:p>
           <a:p>
             <a:r>
-              <a:rPr lang="en-US" sz="1400" dirty="0">
+              <a:rPr lang="en-US" dirty="0">
                 <a:latin typeface="Times New Roman" panose="02020603050405020304" pitchFamily="18" charset="0"/>
                 <a:cs typeface="Times New Roman" panose="02020603050405020304" pitchFamily="18" charset="0"/>
               </a:rPr>
@@ -6037,7 +6063,7 @@
           </a:p>
           <a:p>
             <a:r>
-              <a:rPr lang="en-US" sz="1400" dirty="0">
+              <a:rPr lang="en-US" dirty="0">
                 <a:latin typeface="Times New Roman" panose="02020603050405020304" pitchFamily="18" charset="0"/>
                 <a:cs typeface="Times New Roman" panose="02020603050405020304" pitchFamily="18" charset="0"/>
               </a:rPr>
@@ -6050,84 +6076,203 @@
               <a:cs typeface="Times New Roman" panose="02020603050405020304" pitchFamily="18" charset="0"/>
             </a:endParaRPr>
           </a:p>
-          <a:p>
-            <a:r>
-              <a:rPr lang="en-US" sz="1400" b="1" dirty="0">
-                <a:latin typeface="Times New Roman" panose="02020603050405020304" pitchFamily="18" charset="0"/>
-                <a:cs typeface="Times New Roman" panose="02020603050405020304" pitchFamily="18" charset="0"/>
-              </a:rPr>
-              <a:t>SVM Results:</a:t>
-            </a:r>
-          </a:p>
-          <a:p>
-            <a:r>
-              <a:rPr lang="en-US" sz="1400" dirty="0">
-                <a:latin typeface="Times New Roman" panose="02020603050405020304" pitchFamily="18" charset="0"/>
-                <a:cs typeface="Times New Roman" panose="02020603050405020304" pitchFamily="18" charset="0"/>
-              </a:rPr>
-              <a:t>- The SVM classifier recorded accuracy rates of about 87.51% for alpha chains and 89% for beta chains. This performance is quite similar to what was observed with the logistic regression model, indicating comparable overall effectiveness across the dataset. </a:t>
-            </a:r>
-          </a:p>
-          <a:p>
-            <a:r>
-              <a:rPr lang="en-US" sz="1400" dirty="0">
-                <a:latin typeface="Times New Roman" panose="02020603050405020304" pitchFamily="18" charset="0"/>
-                <a:cs typeface="Times New Roman" panose="02020603050405020304" pitchFamily="18" charset="0"/>
-              </a:rPr>
-              <a:t>- A closer examination of the F1 scores from the classification report reveals that the SVM faces difficulties with several classes, with many achieving zero F1 scores. This highlights the challenge of dealing with minority classes in an imbalanced dataset. </a:t>
-            </a:r>
-          </a:p>
-          <a:p>
-            <a:r>
-              <a:rPr lang="en-US" sz="1400" dirty="0">
-                <a:latin typeface="Times New Roman" panose="02020603050405020304" pitchFamily="18" charset="0"/>
-                <a:cs typeface="Times New Roman" panose="02020603050405020304" pitchFamily="18" charset="0"/>
-              </a:rPr>
-              <a:t>- Nonetheless, the SVM does excel in specific areas, achieving perfect F1 scores in some classes where logistic regression struggles. This shows the SVM's strength in handling certain segments of data where its optimization techniques are most effective, particularly in balancing precision and recall, as reflected by a weighted average F1 score of 0.88 for both alpha and beta chains. Although the accuracy of the SVM is similar to that of logistic regression, its higher F1 scores in certain classes suggest it could offer more dependable predictions for specific T-cell receptor specificities.</a:t>
-            </a:r>
-          </a:p>
-          <a:p>
-            <a:endParaRPr lang="en-US" sz="1400" dirty="0">
-              <a:latin typeface="Times New Roman" panose="02020603050405020304" pitchFamily="18" charset="0"/>
-              <a:cs typeface="Times New Roman" panose="02020603050405020304" pitchFamily="18" charset="0"/>
-            </a:endParaRPr>
-          </a:p>
-          <a:p>
-            <a:r>
-              <a:rPr lang="en-US" sz="1400" b="1" dirty="0">
-                <a:latin typeface="Times New Roman" panose="02020603050405020304" pitchFamily="18" charset="0"/>
-                <a:cs typeface="Times New Roman" panose="02020603050405020304" pitchFamily="18" charset="0"/>
-              </a:rPr>
-              <a:t>Random Forest Classifier Results:</a:t>
-            </a:r>
-          </a:p>
-          <a:p>
-            <a:r>
-              <a:rPr lang="en-US" sz="1400" dirty="0">
-                <a:latin typeface="Times New Roman" panose="02020603050405020304" pitchFamily="18" charset="0"/>
-                <a:cs typeface="Times New Roman" panose="02020603050405020304" pitchFamily="18" charset="0"/>
-              </a:rPr>
-              <a:t>- The Random Forest classifier, when applied separately to the Alpha and Beta chains, shows notable strengths and weaknesses in performance. Both chains achieve high accuracy levels, with approximately 90% for Alpha and 92% for Beta, indicating the model's strong overall predictive power across the dataset. -  - However, a more detailed analysis using F1 scores reveals varied performance across different epitopes. Many classes exhibit low or even zero F1 scores, indicating challenges in classifying minority classes within the imbalanced dataset. On the other hand, some classes achieve high F1 scores, demonstrating the model's ability to accurately identify specific classes.</a:t>
-            </a:r>
-          </a:p>
-          <a:p>
-            <a:endParaRPr lang="en-US" sz="1400" dirty="0">
-              <a:latin typeface="Times New Roman" panose="02020603050405020304" pitchFamily="18" charset="0"/>
-              <a:cs typeface="Times New Roman" panose="02020603050405020304" pitchFamily="18" charset="0"/>
-            </a:endParaRPr>
-          </a:p>
-          <a:p>
-            <a:r>
-              <a:rPr lang="en-US" sz="1400" dirty="0">
-                <a:latin typeface="Times New Roman" panose="02020603050405020304" pitchFamily="18" charset="0"/>
-                <a:cs typeface="Times New Roman" panose="02020603050405020304" pitchFamily="18" charset="0"/>
-              </a:rPr>
-              <a:t>- This variation highlights the Random Forest model's capacity to handle complex data through its ensemble approach, which captures multiple decision-making pathways and minimizes variance compared to simpler models like logistic regression. The notable weighted average F1 scores of 0.91 for Alpha and 0.92 for Beta underscore its effectiveness in balancing precision and recall among diverse classes, positioning it as a strong option for addressing the complexities of TCR specificity. </a:t>
-            </a:r>
-            <a:endParaRPr lang="en-US" dirty="0"/>
-          </a:p>
-        </p:txBody>
-      </p:sp>
+        </p:txBody>
+      </p:sp>
+      <p:graphicFrame>
+        <p:nvGraphicFramePr>
+          <p:cNvPr id="3" name="Table 2">
+            <a:extLst>
+              <a:ext uri="{FF2B5EF4-FFF2-40B4-BE49-F238E27FC236}">
+                <a16:creationId xmlns:a16="http://schemas.microsoft.com/office/drawing/2014/main" id="{0E5FA4B9-A090-F512-5999-761CA36DA346}"/>
+              </a:ext>
+            </a:extLst>
+          </p:cNvPr>
+          <p:cNvGraphicFramePr>
+            <a:graphicFrameLocks noGrp="1"/>
+          </p:cNvGraphicFramePr>
+          <p:nvPr>
+            <p:extLst>
+              <p:ext uri="{D42A27DB-BD31-4B8C-83A1-F6EECF244321}">
+                <p14:modId xmlns:p14="http://schemas.microsoft.com/office/powerpoint/2010/main" val="202550485"/>
+              </p:ext>
+            </p:extLst>
+          </p:nvPr>
+        </p:nvGraphicFramePr>
+        <p:xfrm>
+          <a:off x="4699591" y="329609"/>
+          <a:ext cx="7240772" cy="1350336"/>
+        </p:xfrm>
+        <a:graphic>
+          <a:graphicData uri="http://schemas.openxmlformats.org/drawingml/2006/table">
+            <a:tbl>
+              <a:tblPr firstRow="1" bandRow="1">
+                <a:tableStyleId>{073A0DAA-6AF3-43AB-8588-CEC1D06C72B9}</a:tableStyleId>
+              </a:tblPr>
+              <a:tblGrid>
+                <a:gridCol w="1855286">
+                  <a:extLst>
+                    <a:ext uri="{9D8B030D-6E8A-4147-A177-3AD203B41FA5}">
+                      <a16:colId xmlns:a16="http://schemas.microsoft.com/office/drawing/2014/main" val="1831081933"/>
+                    </a:ext>
+                  </a:extLst>
+                </a:gridCol>
+                <a:gridCol w="2125850">
+                  <a:extLst>
+                    <a:ext uri="{9D8B030D-6E8A-4147-A177-3AD203B41FA5}">
+                      <a16:colId xmlns:a16="http://schemas.microsoft.com/office/drawing/2014/main" val="3123670197"/>
+                    </a:ext>
+                  </a:extLst>
+                </a:gridCol>
+                <a:gridCol w="3259636">
+                  <a:extLst>
+                    <a:ext uri="{9D8B030D-6E8A-4147-A177-3AD203B41FA5}">
+                      <a16:colId xmlns:a16="http://schemas.microsoft.com/office/drawing/2014/main" val="3832109899"/>
+                    </a:ext>
+                  </a:extLst>
+                </a:gridCol>
+              </a:tblGrid>
+              <a:tr h="450112">
+                <a:tc>
+                  <a:txBody>
+                    <a:bodyPr/>
+                    <a:lstStyle/>
+                    <a:p>
+                      <a:r>
+                        <a:rPr lang="en-US" dirty="0"/>
+                        <a:t>CHAIN TYPE</a:t>
+                      </a:r>
+                    </a:p>
+                  </a:txBody>
+                  <a:tcPr/>
+                </a:tc>
+                <a:tc>
+                  <a:txBody>
+                    <a:bodyPr/>
+                    <a:lstStyle/>
+                    <a:p>
+                      <a:r>
+                        <a:rPr lang="en-US" dirty="0"/>
+                        <a:t>ACCURACY</a:t>
+                      </a:r>
+                    </a:p>
+                  </a:txBody>
+                  <a:tcPr/>
+                </a:tc>
+                <a:tc>
+                  <a:txBody>
+                    <a:bodyPr/>
+                    <a:lstStyle/>
+                    <a:p>
+                      <a:r>
+                        <a:rPr lang="en-US" dirty="0"/>
+                        <a:t>F1-SCORE(WEIGHTED AVG)</a:t>
+                      </a:r>
+                    </a:p>
+                  </a:txBody>
+                  <a:tcPr/>
+                </a:tc>
+                <a:extLst>
+                  <a:ext uri="{0D108BD9-81ED-4DB2-BD59-A6C34878D82A}">
+                    <a16:rowId xmlns:a16="http://schemas.microsoft.com/office/drawing/2014/main" val="2248592048"/>
+                  </a:ext>
+                </a:extLst>
+              </a:tr>
+              <a:tr h="450112">
+                <a:tc>
+                  <a:txBody>
+                    <a:bodyPr/>
+                    <a:lstStyle/>
+                    <a:p>
+                      <a:r>
+                        <a:rPr lang="en-US" dirty="0"/>
+                        <a:t>ALPHA</a:t>
+                      </a:r>
+                    </a:p>
+                  </a:txBody>
+                  <a:tcPr/>
+                </a:tc>
+                <a:tc>
+                  <a:txBody>
+                    <a:bodyPr/>
+                    <a:lstStyle/>
+                    <a:p>
+                      <a:r>
+                        <a:rPr lang="en-US" dirty="0"/>
+                        <a:t>87.5</a:t>
+                      </a:r>
+                    </a:p>
+                  </a:txBody>
+                  <a:tcPr/>
+                </a:tc>
+                <a:tc>
+                  <a:txBody>
+                    <a:bodyPr/>
+                    <a:lstStyle/>
+                    <a:p>
+                      <a:r>
+                        <a:rPr lang="en-US" dirty="0"/>
+                        <a:t>85</a:t>
+                      </a:r>
+                    </a:p>
+                  </a:txBody>
+                  <a:tcPr/>
+                </a:tc>
+                <a:extLst>
+                  <a:ext uri="{0D108BD9-81ED-4DB2-BD59-A6C34878D82A}">
+                    <a16:rowId xmlns:a16="http://schemas.microsoft.com/office/drawing/2014/main" val="1288252921"/>
+                  </a:ext>
+                </a:extLst>
+              </a:tr>
+              <a:tr h="450112">
+                <a:tc>
+                  <a:txBody>
+                    <a:bodyPr/>
+                    <a:lstStyle/>
+                    <a:p>
+                      <a:r>
+                        <a:rPr lang="en-US" dirty="0"/>
+                        <a:t>BETA</a:t>
+                      </a:r>
+                    </a:p>
+                  </a:txBody>
+                  <a:tcPr/>
+                </a:tc>
+                <a:tc>
+                  <a:txBody>
+                    <a:bodyPr/>
+                    <a:lstStyle/>
+                    <a:p>
+                      <a:r>
+                        <a:rPr lang="en-US" dirty="0"/>
+                        <a:t>87.75</a:t>
+                      </a:r>
+                    </a:p>
+                  </a:txBody>
+                  <a:tcPr/>
+                </a:tc>
+                <a:tc>
+                  <a:txBody>
+                    <a:bodyPr/>
+                    <a:lstStyle/>
+                    <a:p>
+                      <a:r>
+                        <a:rPr lang="en-US" dirty="0"/>
+                        <a:t>85</a:t>
+                      </a:r>
+                    </a:p>
+                  </a:txBody>
+                  <a:tcPr/>
+                </a:tc>
+                <a:extLst>
+                  <a:ext uri="{0D108BD9-81ED-4DB2-BD59-A6C34878D82A}">
+                    <a16:rowId xmlns:a16="http://schemas.microsoft.com/office/drawing/2014/main" val="154423610"/>
+                  </a:ext>
+                </a:extLst>
+              </a:tr>
+            </a:tbl>
+          </a:graphicData>
+        </a:graphic>
+      </p:graphicFrame>
     </p:spTree>
     <p:extLst>
       <p:ext uri="{BB962C8B-B14F-4D97-AF65-F5344CB8AC3E}">
@@ -6158,6 +6303,616 @@
           <a:chExt cx="0" cy="0"/>
         </a:xfrm>
       </p:grpSpPr>
+      <p:sp>
+        <p:nvSpPr>
+          <p:cNvPr id="3" name="TextBox 2">
+            <a:extLst>
+              <a:ext uri="{FF2B5EF4-FFF2-40B4-BE49-F238E27FC236}">
+                <a16:creationId xmlns:a16="http://schemas.microsoft.com/office/drawing/2014/main" id="{92A7D9F5-8FAD-26E4-0866-4761D79BC082}"/>
+              </a:ext>
+            </a:extLst>
+          </p:cNvPr>
+          <p:cNvSpPr txBox="1"/>
+          <p:nvPr/>
+        </p:nvSpPr>
+        <p:spPr>
+          <a:xfrm>
+            <a:off x="255181" y="2083981"/>
+            <a:ext cx="11111023" cy="3970318"/>
+          </a:xfrm>
+          <a:prstGeom prst="rect">
+            <a:avLst/>
+          </a:prstGeom>
+          <a:noFill/>
+        </p:spPr>
+        <p:txBody>
+          <a:bodyPr wrap="square">
+            <a:spAutoFit/>
+          </a:bodyPr>
+          <a:lstStyle/>
+          <a:p>
+            <a:r>
+              <a:rPr lang="en-US" sz="1800" b="1" dirty="0">
+                <a:latin typeface="Times New Roman" panose="02020603050405020304" pitchFamily="18" charset="0"/>
+                <a:cs typeface="Times New Roman" panose="02020603050405020304" pitchFamily="18" charset="0"/>
+              </a:rPr>
+              <a:t>SVM Results:</a:t>
+            </a:r>
+          </a:p>
+          <a:p>
+            <a:endParaRPr lang="en-US" sz="1800" b="1" dirty="0">
+              <a:latin typeface="Times New Roman" panose="02020603050405020304" pitchFamily="18" charset="0"/>
+              <a:cs typeface="Times New Roman" panose="02020603050405020304" pitchFamily="18" charset="0"/>
+            </a:endParaRPr>
+          </a:p>
+          <a:p>
+            <a:r>
+              <a:rPr lang="en-US" sz="1800" dirty="0">
+                <a:latin typeface="Times New Roman" panose="02020603050405020304" pitchFamily="18" charset="0"/>
+                <a:cs typeface="Times New Roman" panose="02020603050405020304" pitchFamily="18" charset="0"/>
+              </a:rPr>
+              <a:t>- The SVM classifier recorded accuracy rates of about 87.51% for alpha chains and 89% for beta chains. This performance is quite similar to what was observed with the logistic regression model, indicating comparable overall effectiveness across the dataset. </a:t>
+            </a:r>
+          </a:p>
+          <a:p>
+            <a:r>
+              <a:rPr lang="en-US" sz="1800" dirty="0">
+                <a:latin typeface="Times New Roman" panose="02020603050405020304" pitchFamily="18" charset="0"/>
+                <a:cs typeface="Times New Roman" panose="02020603050405020304" pitchFamily="18" charset="0"/>
+              </a:rPr>
+              <a:t>- A closer examination of the F1 scores from the classification report reveals that the SVM faces difficulties with several classes, with many achieving zero F1 scores. This highlights the challenge of dealing with minority classes in an imbalanced dataset. </a:t>
+            </a:r>
+          </a:p>
+          <a:p>
+            <a:r>
+              <a:rPr lang="en-US" sz="1800" dirty="0">
+                <a:latin typeface="Times New Roman" panose="02020603050405020304" pitchFamily="18" charset="0"/>
+                <a:cs typeface="Times New Roman" panose="02020603050405020304" pitchFamily="18" charset="0"/>
+              </a:rPr>
+              <a:t>- Nonetheless, the SVM does excel in specific areas, achieving perfect F1 scores in some classes where logistic regression struggles. This shows the SVM's strength in handling certain segments of data where its optimization techniques are most effective, particularly in balancing precision and recall, as reflected by a weighted average F1 score of 0.88 for both alpha and beta chains. Although the accuracy of the SVM is similar to that of logistic regression, its higher F1 scores in certain classes suggest it could offer more dependable predictions for specific T-cell receptor specificities.</a:t>
+            </a:r>
+          </a:p>
+        </p:txBody>
+      </p:sp>
+      <p:graphicFrame>
+        <p:nvGraphicFramePr>
+          <p:cNvPr id="6" name="Table 5">
+            <a:extLst>
+              <a:ext uri="{FF2B5EF4-FFF2-40B4-BE49-F238E27FC236}">
+                <a16:creationId xmlns:a16="http://schemas.microsoft.com/office/drawing/2014/main" id="{7289CFC4-8FC1-5E43-5029-9DF71D874624}"/>
+              </a:ext>
+            </a:extLst>
+          </p:cNvPr>
+          <p:cNvGraphicFramePr>
+            <a:graphicFrameLocks noGrp="1"/>
+          </p:cNvGraphicFramePr>
+          <p:nvPr>
+            <p:extLst>
+              <p:ext uri="{D42A27DB-BD31-4B8C-83A1-F6EECF244321}">
+                <p14:modId xmlns:p14="http://schemas.microsoft.com/office/powerpoint/2010/main" val="4049247038"/>
+              </p:ext>
+            </p:extLst>
+          </p:nvPr>
+        </p:nvGraphicFramePr>
+        <p:xfrm>
+          <a:off x="2913322" y="542261"/>
+          <a:ext cx="8832111" cy="1667894"/>
+        </p:xfrm>
+        <a:graphic>
+          <a:graphicData uri="http://schemas.openxmlformats.org/drawingml/2006/table">
+            <a:tbl>
+              <a:tblPr firstRow="1" bandRow="1">
+                <a:tableStyleId>{073A0DAA-6AF3-43AB-8588-CEC1D06C72B9}</a:tableStyleId>
+              </a:tblPr>
+              <a:tblGrid>
+                <a:gridCol w="2615609">
+                  <a:extLst>
+                    <a:ext uri="{9D8B030D-6E8A-4147-A177-3AD203B41FA5}">
+                      <a16:colId xmlns:a16="http://schemas.microsoft.com/office/drawing/2014/main" val="1645793292"/>
+                    </a:ext>
+                  </a:extLst>
+                </a:gridCol>
+                <a:gridCol w="2424224">
+                  <a:extLst>
+                    <a:ext uri="{9D8B030D-6E8A-4147-A177-3AD203B41FA5}">
+                      <a16:colId xmlns:a16="http://schemas.microsoft.com/office/drawing/2014/main" val="22928338"/>
+                    </a:ext>
+                  </a:extLst>
+                </a:gridCol>
+                <a:gridCol w="3792278">
+                  <a:extLst>
+                    <a:ext uri="{9D8B030D-6E8A-4147-A177-3AD203B41FA5}">
+                      <a16:colId xmlns:a16="http://schemas.microsoft.com/office/drawing/2014/main" val="2200613063"/>
+                    </a:ext>
+                  </a:extLst>
+                </a:gridCol>
+              </a:tblGrid>
+              <a:tr h="513907">
+                <a:tc>
+                  <a:txBody>
+                    <a:bodyPr/>
+                    <a:lstStyle/>
+                    <a:p>
+                      <a:r>
+                        <a:rPr lang="en-US" dirty="0"/>
+                        <a:t>CHAIN TYPE</a:t>
+                      </a:r>
+                    </a:p>
+                  </a:txBody>
+                  <a:tcPr/>
+                </a:tc>
+                <a:tc>
+                  <a:txBody>
+                    <a:bodyPr/>
+                    <a:lstStyle/>
+                    <a:p>
+                      <a:r>
+                        <a:rPr lang="en-US" dirty="0"/>
+                        <a:t>ACCURACY</a:t>
+                      </a:r>
+                    </a:p>
+                  </a:txBody>
+                  <a:tcPr/>
+                </a:tc>
+                <a:tc>
+                  <a:txBody>
+                    <a:bodyPr/>
+                    <a:lstStyle/>
+                    <a:p>
+                      <a:pPr marL="0" marR="0" lvl="0" indent="0" algn="l" defTabSz="914400" rtl="0" eaLnBrk="1" fontAlgn="auto" latinLnBrk="0" hangingPunct="1">
+                        <a:lnSpc>
+                          <a:spcPct val="100000"/>
+                        </a:lnSpc>
+                        <a:spcBef>
+                          <a:spcPts val="0"/>
+                        </a:spcBef>
+                        <a:spcAft>
+                          <a:spcPts val="0"/>
+                        </a:spcAft>
+                        <a:buClrTx/>
+                        <a:buSzTx/>
+                        <a:buFontTx/>
+                        <a:buNone/>
+                        <a:tabLst/>
+                        <a:defRPr/>
+                      </a:pPr>
+                      <a:r>
+                        <a:rPr lang="en-US" dirty="0"/>
+                        <a:t>F1-SCORE(WEIGHTED AVG)</a:t>
+                      </a:r>
+                    </a:p>
+                    <a:p>
+                      <a:endParaRPr lang="en-US" dirty="0"/>
+                    </a:p>
+                  </a:txBody>
+                  <a:tcPr/>
+                </a:tc>
+                <a:extLst>
+                  <a:ext uri="{0D108BD9-81ED-4DB2-BD59-A6C34878D82A}">
+                    <a16:rowId xmlns:a16="http://schemas.microsoft.com/office/drawing/2014/main" val="280604680"/>
+                  </a:ext>
+                </a:extLst>
+              </a:tr>
+              <a:tr h="513907">
+                <a:tc>
+                  <a:txBody>
+                    <a:bodyPr/>
+                    <a:lstStyle/>
+                    <a:p>
+                      <a:r>
+                        <a:rPr lang="en-US" dirty="0"/>
+                        <a:t>ALPHA</a:t>
+                      </a:r>
+                    </a:p>
+                  </a:txBody>
+                  <a:tcPr/>
+                </a:tc>
+                <a:tc>
+                  <a:txBody>
+                    <a:bodyPr/>
+                    <a:lstStyle/>
+                    <a:p>
+                      <a:r>
+                        <a:rPr lang="en-US" dirty="0"/>
+                        <a:t>89</a:t>
+                      </a:r>
+                    </a:p>
+                  </a:txBody>
+                  <a:tcPr/>
+                </a:tc>
+                <a:tc>
+                  <a:txBody>
+                    <a:bodyPr/>
+                    <a:lstStyle/>
+                    <a:p>
+                      <a:r>
+                        <a:rPr lang="en-US" dirty="0"/>
+                        <a:t>88</a:t>
+                      </a:r>
+                    </a:p>
+                  </a:txBody>
+                  <a:tcPr/>
+                </a:tc>
+                <a:extLst>
+                  <a:ext uri="{0D108BD9-81ED-4DB2-BD59-A6C34878D82A}">
+                    <a16:rowId xmlns:a16="http://schemas.microsoft.com/office/drawing/2014/main" val="3616305459"/>
+                  </a:ext>
+                </a:extLst>
+              </a:tr>
+              <a:tr h="513907">
+                <a:tc>
+                  <a:txBody>
+                    <a:bodyPr/>
+                    <a:lstStyle/>
+                    <a:p>
+                      <a:r>
+                        <a:rPr lang="en-US" dirty="0"/>
+                        <a:t>BETA</a:t>
+                      </a:r>
+                    </a:p>
+                  </a:txBody>
+                  <a:tcPr/>
+                </a:tc>
+                <a:tc>
+                  <a:txBody>
+                    <a:bodyPr/>
+                    <a:lstStyle/>
+                    <a:p>
+                      <a:r>
+                        <a:rPr lang="en-US" dirty="0"/>
+                        <a:t>89</a:t>
+                      </a:r>
+                    </a:p>
+                  </a:txBody>
+                  <a:tcPr/>
+                </a:tc>
+                <a:tc>
+                  <a:txBody>
+                    <a:bodyPr/>
+                    <a:lstStyle/>
+                    <a:p>
+                      <a:r>
+                        <a:rPr lang="en-US" dirty="0"/>
+                        <a:t>88</a:t>
+                      </a:r>
+                    </a:p>
+                  </a:txBody>
+                  <a:tcPr/>
+                </a:tc>
+                <a:extLst>
+                  <a:ext uri="{0D108BD9-81ED-4DB2-BD59-A6C34878D82A}">
+                    <a16:rowId xmlns:a16="http://schemas.microsoft.com/office/drawing/2014/main" val="769371377"/>
+                  </a:ext>
+                </a:extLst>
+              </a:tr>
+            </a:tbl>
+          </a:graphicData>
+        </a:graphic>
+      </p:graphicFrame>
+    </p:spTree>
+    <p:extLst>
+      <p:ext uri="{BB962C8B-B14F-4D97-AF65-F5344CB8AC3E}">
+        <p14:creationId xmlns:p14="http://schemas.microsoft.com/office/powerpoint/2010/main" val="2902475832"/>
+      </p:ext>
+    </p:extLst>
+  </p:cSld>
+  <p:clrMapOvr>
+    <a:masterClrMapping/>
+  </p:clrMapOvr>
+</p:sld>
+</file>
+
+<file path=ppt/slides/slide14.xml><?xml version="1.0" encoding="utf-8"?>
+<p:sld xmlns:a="http://schemas.openxmlformats.org/drawingml/2006/main" xmlns:r="http://schemas.openxmlformats.org/officeDocument/2006/relationships" xmlns:p="http://schemas.openxmlformats.org/presentationml/2006/main">
+  <p:cSld>
+    <p:spTree>
+      <p:nvGrpSpPr>
+        <p:cNvPr id="1" name=""/>
+        <p:cNvGrpSpPr/>
+        <p:nvPr/>
+      </p:nvGrpSpPr>
+      <p:grpSpPr>
+        <a:xfrm>
+          <a:off x="0" y="0"/>
+          <a:ext cx="0" cy="0"/>
+          <a:chOff x="0" y="0"/>
+          <a:chExt cx="0" cy="0"/>
+        </a:xfrm>
+      </p:grpSpPr>
+      <p:sp>
+        <p:nvSpPr>
+          <p:cNvPr id="3" name="TextBox 2">
+            <a:extLst>
+              <a:ext uri="{FF2B5EF4-FFF2-40B4-BE49-F238E27FC236}">
+                <a16:creationId xmlns:a16="http://schemas.microsoft.com/office/drawing/2014/main" id="{5BAFA6BC-200C-13EF-C907-353C4C09C174}"/>
+              </a:ext>
+            </a:extLst>
+          </p:cNvPr>
+          <p:cNvSpPr txBox="1"/>
+          <p:nvPr/>
+        </p:nvSpPr>
+        <p:spPr>
+          <a:xfrm>
+            <a:off x="329609" y="2328530"/>
+            <a:ext cx="11419368" cy="3970318"/>
+          </a:xfrm>
+          <a:prstGeom prst="rect">
+            <a:avLst/>
+          </a:prstGeom>
+          <a:noFill/>
+        </p:spPr>
+        <p:txBody>
+          <a:bodyPr wrap="square">
+            <a:spAutoFit/>
+          </a:bodyPr>
+          <a:lstStyle/>
+          <a:p>
+            <a:r>
+              <a:rPr lang="en-US" sz="1800" b="1" dirty="0">
+                <a:latin typeface="Times New Roman" panose="02020603050405020304" pitchFamily="18" charset="0"/>
+                <a:cs typeface="Times New Roman" panose="02020603050405020304" pitchFamily="18" charset="0"/>
+              </a:rPr>
+              <a:t>Random Forest Classifier Results:</a:t>
+            </a:r>
+          </a:p>
+          <a:p>
+            <a:endParaRPr lang="en-US" sz="1800" b="1" dirty="0">
+              <a:latin typeface="Times New Roman" panose="02020603050405020304" pitchFamily="18" charset="0"/>
+              <a:cs typeface="Times New Roman" panose="02020603050405020304" pitchFamily="18" charset="0"/>
+            </a:endParaRPr>
+          </a:p>
+          <a:p>
+            <a:r>
+              <a:rPr lang="en-US" sz="1800" dirty="0">
+                <a:latin typeface="Times New Roman" panose="02020603050405020304" pitchFamily="18" charset="0"/>
+                <a:cs typeface="Times New Roman" panose="02020603050405020304" pitchFamily="18" charset="0"/>
+              </a:rPr>
+              <a:t>- The Random Forest classifier, when applied separately to the Alpha and Beta chains, shows notable strengths and weaknesses in performance. Both chains achieve high accuracy levels, with approximately 90% for Alpha and 92% for Beta, indicating the model's strong overall predictive power across the dataset. -  - However, a more detailed analysis using F1 scores reveals varied performance across different epitopes. Many classes exhibit low or even zero F1 scores, indicating challenges in classifying minority classes within the imbalanced dataset. On the other hand, some classes achieve high F1 scores, demonstrating the model's ability to accurately identify specific classes.</a:t>
+            </a:r>
+          </a:p>
+          <a:p>
+            <a:endParaRPr lang="en-US" sz="1800" dirty="0">
+              <a:latin typeface="Times New Roman" panose="02020603050405020304" pitchFamily="18" charset="0"/>
+              <a:cs typeface="Times New Roman" panose="02020603050405020304" pitchFamily="18" charset="0"/>
+            </a:endParaRPr>
+          </a:p>
+          <a:p>
+            <a:r>
+              <a:rPr lang="en-US" sz="1800" dirty="0">
+                <a:latin typeface="Times New Roman" panose="02020603050405020304" pitchFamily="18" charset="0"/>
+                <a:cs typeface="Times New Roman" panose="02020603050405020304" pitchFamily="18" charset="0"/>
+              </a:rPr>
+              <a:t>- This variation highlights the Random Forest model's capacity to handle complex data through its ensemble approach, which captures multiple decision-making pathways and minimizes variance compared to simpler models like logistic regression. The notable weighted average F1 scores of 0.91 for Alpha and 0.92 for Beta underscore its effectiveness in balancing precision and recall among diverse classes, positioning it as a strong option for addressing the complexities of TCR specificity. </a:t>
+            </a:r>
+            <a:endParaRPr lang="en-US" dirty="0"/>
+          </a:p>
+        </p:txBody>
+      </p:sp>
+      <p:graphicFrame>
+        <p:nvGraphicFramePr>
+          <p:cNvPr id="4" name="Table 3">
+            <a:extLst>
+              <a:ext uri="{FF2B5EF4-FFF2-40B4-BE49-F238E27FC236}">
+                <a16:creationId xmlns:a16="http://schemas.microsoft.com/office/drawing/2014/main" id="{AF76CC3E-230F-0C22-3930-A9D1D245C39C}"/>
+              </a:ext>
+            </a:extLst>
+          </p:cNvPr>
+          <p:cNvGraphicFramePr>
+            <a:graphicFrameLocks noGrp="1"/>
+          </p:cNvGraphicFramePr>
+          <p:nvPr>
+            <p:extLst>
+              <p:ext uri="{D42A27DB-BD31-4B8C-83A1-F6EECF244321}">
+                <p14:modId xmlns:p14="http://schemas.microsoft.com/office/powerpoint/2010/main" val="1199904367"/>
+              </p:ext>
+            </p:extLst>
+          </p:nvPr>
+        </p:nvGraphicFramePr>
+        <p:xfrm>
+          <a:off x="5369443" y="308345"/>
+          <a:ext cx="6379533" cy="1796901"/>
+        </p:xfrm>
+        <a:graphic>
+          <a:graphicData uri="http://schemas.openxmlformats.org/drawingml/2006/table">
+            <a:tbl>
+              <a:tblPr firstRow="1" bandRow="1">
+                <a:tableStyleId>{073A0DAA-6AF3-43AB-8588-CEC1D06C72B9}</a:tableStyleId>
+              </a:tblPr>
+              <a:tblGrid>
+                <a:gridCol w="1520455">
+                  <a:extLst>
+                    <a:ext uri="{9D8B030D-6E8A-4147-A177-3AD203B41FA5}">
+                      <a16:colId xmlns:a16="http://schemas.microsoft.com/office/drawing/2014/main" val="1645793292"/>
+                    </a:ext>
+                  </a:extLst>
+                </a:gridCol>
+                <a:gridCol w="1669311">
+                  <a:extLst>
+                    <a:ext uri="{9D8B030D-6E8A-4147-A177-3AD203B41FA5}">
+                      <a16:colId xmlns:a16="http://schemas.microsoft.com/office/drawing/2014/main" val="22928338"/>
+                    </a:ext>
+                  </a:extLst>
+                </a:gridCol>
+                <a:gridCol w="3189767">
+                  <a:extLst>
+                    <a:ext uri="{9D8B030D-6E8A-4147-A177-3AD203B41FA5}">
+                      <a16:colId xmlns:a16="http://schemas.microsoft.com/office/drawing/2014/main" val="2200613063"/>
+                    </a:ext>
+                  </a:extLst>
+                </a:gridCol>
+              </a:tblGrid>
+              <a:tr h="598967">
+                <a:tc>
+                  <a:txBody>
+                    <a:bodyPr/>
+                    <a:lstStyle/>
+                    <a:p>
+                      <a:r>
+                        <a:rPr lang="en-US" dirty="0"/>
+                        <a:t>CHAIN TYPE</a:t>
+                      </a:r>
+                    </a:p>
+                  </a:txBody>
+                  <a:tcPr/>
+                </a:tc>
+                <a:tc>
+                  <a:txBody>
+                    <a:bodyPr/>
+                    <a:lstStyle/>
+                    <a:p>
+                      <a:r>
+                        <a:rPr lang="en-US" dirty="0"/>
+                        <a:t>ACCURACY</a:t>
+                      </a:r>
+                    </a:p>
+                  </a:txBody>
+                  <a:tcPr/>
+                </a:tc>
+                <a:tc>
+                  <a:txBody>
+                    <a:bodyPr/>
+                    <a:lstStyle/>
+                    <a:p>
+                      <a:r>
+                        <a:rPr lang="en-US" dirty="0"/>
+                        <a:t>F1-SCORE(WEIGHTED AVG)</a:t>
+                      </a:r>
+                    </a:p>
+                  </a:txBody>
+                  <a:tcPr/>
+                </a:tc>
+                <a:extLst>
+                  <a:ext uri="{0D108BD9-81ED-4DB2-BD59-A6C34878D82A}">
+                    <a16:rowId xmlns:a16="http://schemas.microsoft.com/office/drawing/2014/main" val="280604680"/>
+                  </a:ext>
+                </a:extLst>
+              </a:tr>
+              <a:tr h="598967">
+                <a:tc>
+                  <a:txBody>
+                    <a:bodyPr/>
+                    <a:lstStyle/>
+                    <a:p>
+                      <a:r>
+                        <a:rPr lang="en-US" dirty="0"/>
+                        <a:t>ALPHA</a:t>
+                      </a:r>
+                    </a:p>
+                  </a:txBody>
+                  <a:tcPr/>
+                </a:tc>
+                <a:tc>
+                  <a:txBody>
+                    <a:bodyPr/>
+                    <a:lstStyle/>
+                    <a:p>
+                      <a:r>
+                        <a:rPr lang="en-US" dirty="0"/>
+                        <a:t>92</a:t>
+                      </a:r>
+                    </a:p>
+                  </a:txBody>
+                  <a:tcPr/>
+                </a:tc>
+                <a:tc>
+                  <a:txBody>
+                    <a:bodyPr/>
+                    <a:lstStyle/>
+                    <a:p>
+                      <a:r>
+                        <a:rPr lang="en-US" dirty="0"/>
+                        <a:t>91</a:t>
+                      </a:r>
+                    </a:p>
+                  </a:txBody>
+                  <a:tcPr/>
+                </a:tc>
+                <a:extLst>
+                  <a:ext uri="{0D108BD9-81ED-4DB2-BD59-A6C34878D82A}">
+                    <a16:rowId xmlns:a16="http://schemas.microsoft.com/office/drawing/2014/main" val="3616305459"/>
+                  </a:ext>
+                </a:extLst>
+              </a:tr>
+              <a:tr h="598967">
+                <a:tc>
+                  <a:txBody>
+                    <a:bodyPr/>
+                    <a:lstStyle/>
+                    <a:p>
+                      <a:r>
+                        <a:rPr lang="en-US" dirty="0"/>
+                        <a:t>BETA</a:t>
+                      </a:r>
+                    </a:p>
+                  </a:txBody>
+                  <a:tcPr/>
+                </a:tc>
+                <a:tc>
+                  <a:txBody>
+                    <a:bodyPr/>
+                    <a:lstStyle/>
+                    <a:p>
+                      <a:r>
+                        <a:rPr lang="en-US" dirty="0"/>
+                        <a:t>92.5</a:t>
+                      </a:r>
+                    </a:p>
+                  </a:txBody>
+                  <a:tcPr/>
+                </a:tc>
+                <a:tc>
+                  <a:txBody>
+                    <a:bodyPr/>
+                    <a:lstStyle/>
+                    <a:p>
+                      <a:r>
+                        <a:rPr lang="en-US" dirty="0"/>
+                        <a:t>91</a:t>
+                      </a:r>
+                    </a:p>
+                  </a:txBody>
+                  <a:tcPr/>
+                </a:tc>
+                <a:extLst>
+                  <a:ext uri="{0D108BD9-81ED-4DB2-BD59-A6C34878D82A}">
+                    <a16:rowId xmlns:a16="http://schemas.microsoft.com/office/drawing/2014/main" val="769371377"/>
+                  </a:ext>
+                </a:extLst>
+              </a:tr>
+            </a:tbl>
+          </a:graphicData>
+        </a:graphic>
+      </p:graphicFrame>
+    </p:spTree>
+    <p:extLst>
+      <p:ext uri="{BB962C8B-B14F-4D97-AF65-F5344CB8AC3E}">
+        <p14:creationId xmlns:p14="http://schemas.microsoft.com/office/powerpoint/2010/main" val="1354872191"/>
+      </p:ext>
+    </p:extLst>
+  </p:cSld>
+  <p:clrMapOvr>
+    <a:masterClrMapping/>
+  </p:clrMapOvr>
+</p:sld>
+</file>
+
+<file path=ppt/slides/slide15.xml><?xml version="1.0" encoding="utf-8"?>
+<p:sld xmlns:a="http://schemas.openxmlformats.org/drawingml/2006/main" xmlns:r="http://schemas.openxmlformats.org/officeDocument/2006/relationships" xmlns:p="http://schemas.openxmlformats.org/presentationml/2006/main">
+  <p:cSld>
+    <p:spTree>
+      <p:nvGrpSpPr>
+        <p:cNvPr id="1" name=""/>
+        <p:cNvGrpSpPr/>
+        <p:nvPr/>
+      </p:nvGrpSpPr>
+      <p:grpSpPr>
+        <a:xfrm>
+          <a:off x="0" y="0"/>
+          <a:ext cx="0" cy="0"/>
+          <a:chOff x="0" y="0"/>
+          <a:chExt cx="0" cy="0"/>
+        </a:xfrm>
+      </p:grpSpPr>
       <p:pic>
         <p:nvPicPr>
           <p:cNvPr id="3" name="Picture 2" descr="A graph of different colored bars&#10;&#10;Description automatically generated with medium confidence">
@@ -6180,8 +6935,8 @@
         </p:blipFill>
         <p:spPr>
           <a:xfrm>
-            <a:off x="789712" y="518021"/>
-            <a:ext cx="3937000" cy="2781300"/>
+            <a:off x="1254001" y="292714"/>
+            <a:ext cx="4335181" cy="3062596"/>
           </a:xfrm>
           <a:prstGeom prst="rect">
             <a:avLst/>
@@ -6202,8 +6957,8 @@
         </p:nvSpPr>
         <p:spPr>
           <a:xfrm>
-            <a:off x="5316279" y="669851"/>
-            <a:ext cx="6411433" cy="1754326"/>
+            <a:off x="6602819" y="669850"/>
+            <a:ext cx="5124893" cy="2308324"/>
           </a:xfrm>
           <a:prstGeom prst="rect">
             <a:avLst/>
@@ -6250,7 +7005,7 @@
         <p:spPr>
           <a:xfrm>
             <a:off x="318977" y="3480459"/>
-            <a:ext cx="11408735" cy="2308324"/>
+            <a:ext cx="10685721" cy="2585323"/>
           </a:xfrm>
           <a:prstGeom prst="rect">
             <a:avLst/>
@@ -6277,7 +7032,21 @@
                 <a:latin typeface="Times New Roman" panose="02020603050405020304" pitchFamily="18" charset="0"/>
                 <a:cs typeface="Times New Roman" panose="02020603050405020304" pitchFamily="18" charset="0"/>
               </a:rPr>
-              <a:t>-After refining the model's settings, we noticed clear improvements. - For the Alpha chain, adjusting the hyperparameters boosted the weighted average F1 score to 0.91, demonstrating enhanced balance in predicting various classes accurately. </a:t>
+              <a:t>-After refining the model's settings, we noticed clear improvements. – For both the chains we get an </a:t>
+            </a:r>
+            <a:r>
+              <a:rPr lang="en-US">
+                <a:latin typeface="Times New Roman" panose="02020603050405020304" pitchFamily="18" charset="0"/>
+                <a:cs typeface="Times New Roman" panose="02020603050405020304" pitchFamily="18" charset="0"/>
+              </a:rPr>
+              <a:t>accuracy of 93%. For </a:t>
+            </a:r>
+            <a:r>
+              <a:rPr lang="en-US" dirty="0">
+                <a:latin typeface="Times New Roman" panose="02020603050405020304" pitchFamily="18" charset="0"/>
+                <a:cs typeface="Times New Roman" panose="02020603050405020304" pitchFamily="18" charset="0"/>
+              </a:rPr>
+              <a:t>the Alpha chain, adjusting the hyperparameters boosted the weighted average F1 score to 0.91, demonstrating enhanced balance in predicting various classes accurately. </a:t>
             </a:r>
           </a:p>
           <a:p>
@@ -6322,7 +7091,7 @@
 </p:sld>
 </file>
 
-<file path=ppt/slides/slide14.xml><?xml version="1.0" encoding="utf-8"?>
+<file path=ppt/slides/slide16.xml><?xml version="1.0" encoding="utf-8"?>
 <p:sld xmlns:a="http://schemas.openxmlformats.org/drawingml/2006/main" xmlns:r="http://schemas.openxmlformats.org/officeDocument/2006/relationships" xmlns:p="http://schemas.openxmlformats.org/presentationml/2006/main">
   <p:cSld>
     <p:bg>
@@ -7161,21 +7930,7 @@
                 <a:latin typeface="Times New Roman" panose="02020603050405020304" pitchFamily="18" charset="0"/>
                 <a:cs typeface="Times New Roman" panose="02020603050405020304" pitchFamily="18" charset="0"/>
               </a:rPr>
-              <a:t>', ' from the original data set </a:t>
-            </a:r>
-            <a:r>
-              <a:rPr lang="en-US" altLang="zh-CN" sz="2000" dirty="0" err="1">
-                <a:latin typeface="Times New Roman" panose="02020603050405020304" pitchFamily="18" charset="0"/>
-                <a:cs typeface="Times New Roman" panose="02020603050405020304" pitchFamily="18" charset="0"/>
-              </a:rPr>
-              <a:t>mhc.class</a:t>
-            </a:r>
-            <a:r>
-              <a:rPr lang="en-US" altLang="zh-CN" sz="2000" dirty="0">
-                <a:latin typeface="Times New Roman" panose="02020603050405020304" pitchFamily="18" charset="0"/>
-                <a:cs typeface="Times New Roman" panose="02020603050405020304" pitchFamily="18" charset="0"/>
-              </a:rPr>
-              <a:t>', '</a:t>
+              <a:t>', ' from the original data set mhc.class', '</a:t>
             </a:r>
             <a:r>
               <a:rPr lang="en-US" altLang="zh-CN" sz="2000" dirty="0" err="1">
@@ -7798,15 +8553,7 @@
           <a:p>
             <a:r>
               <a:rPr lang="en-US" dirty="0"/>
-              <a:t>TCR DISTANCE CALCULATION USING </a:t>
-            </a:r>
-            <a:r>
-              <a:rPr lang="en-US" dirty="0" err="1"/>
-              <a:t>TCRDist</a:t>
-            </a:r>
-            <a:r>
-              <a:rPr lang="en-US" dirty="0"/>
-              <a:t>:</a:t>
+              <a:t>TCR DISTANCE CALCULATION USING TCRDist:</a:t>
             </a:r>
           </a:p>
         </p:txBody>
@@ -7884,8 +8631,8 @@
         </p:nvSpPr>
         <p:spPr>
           <a:xfrm>
-            <a:off x="3347146" y="1669312"/>
-            <a:ext cx="4255134" cy="5188688"/>
+            <a:off x="3347146" y="1860698"/>
+            <a:ext cx="4180705" cy="4832092"/>
           </a:xfrm>
           <a:prstGeom prst="rect">
             <a:avLst/>
@@ -7903,21 +8650,7 @@
                 <a:latin typeface="Times New Roman" panose="02020603050405020304" pitchFamily="18" charset="0"/>
                 <a:cs typeface="Times New Roman" panose="02020603050405020304" pitchFamily="18" charset="0"/>
               </a:rPr>
-              <a:t>-</a:t>
-            </a:r>
-            <a:r>
-              <a:rPr lang="en-US" sz="1400" dirty="0" err="1">
-                <a:latin typeface="Times New Roman" panose="02020603050405020304" pitchFamily="18" charset="0"/>
-                <a:cs typeface="Times New Roman" panose="02020603050405020304" pitchFamily="18" charset="0"/>
-              </a:rPr>
-              <a:t>TCRdist</a:t>
-            </a:r>
-            <a:r>
-              <a:rPr lang="en-US" sz="1400" dirty="0">
-                <a:latin typeface="Times New Roman" panose="02020603050405020304" pitchFamily="18" charset="0"/>
-                <a:cs typeface="Times New Roman" panose="02020603050405020304" pitchFamily="18" charset="0"/>
-              </a:rPr>
-              <a:t> is a specialized tool for computing pairwise distances between T-cell receptor sequences was used. The dataset was divided into six subsets: human alpha, human beta, combined human alpha-beta, mouse alpha, mouse beta, and combined mouse alpha-beta as shown in the Fig on the left which shows the subdivision of data for TCR Distance Matrix Calculation. </a:t>
+              <a:t>-TCRdist which is a specialized tool for computing pairwise distances between T-cell receptor sequences was used. The dataset was divided into six subsets: human alpha, human beta, combined human alpha-beta, mouse alpha, mouse beta, and combined mouse alpha-beta as shown in the Fig on the left which shows the subdivision of data for TCR Distance Matrix Calculation. </a:t>
             </a:r>
           </a:p>
           <a:p>
@@ -7947,7 +8680,7 @@
                 <a:latin typeface="Times New Roman" panose="02020603050405020304" pitchFamily="18" charset="0"/>
                 <a:cs typeface="Times New Roman" panose="02020603050405020304" pitchFamily="18" charset="0"/>
               </a:rPr>
-              <a:t>- For a given set of TCR sequences, the distances between all possible pairs are calculated, and the results are formed into a distance matrix as shown in the Fig on the right, each element in the matrix represents the distance or similarity between the pairs, and once the distance matrix is calculated, visualization tools can be used to show the similarity or difference between the TCRs.</a:t>
+              <a:t>-For a given set of TCR sequences, the distances between all possible pairs are calculated, and the results are formed into a distance matrix as shown in the Fig on the right, each element in the matrix represents the distance or similarity between the pairs, and once the distance matrix is calculated.</a:t>
             </a:r>
           </a:p>
         </p:txBody>
